--- a/期中網頁.pptx
+++ b/期中網頁.pptx
@@ -9,6 +9,7 @@
     <p:sldId id="257" r:id="rId3"/>
     <p:sldId id="258" r:id="rId4"/>
     <p:sldId id="259" r:id="rId5"/>
+    <p:sldId id="260" r:id="rId6"/>
   </p:sldIdLst>
   <p:sldSz cx="12192000" cy="6858000"/>
   <p:notesSz cx="6858000" cy="9144000"/>
@@ -107,6 +108,11 @@
       </a:defRPr>
     </a:lvl9pPr>
   </p:defaultTextStyle>
+  <p:extLst>
+    <p:ext uri="{EFAFB233-063F-42B5-8137-9DF3F51BA10A}">
+      <p15:sldGuideLst xmlns:p15="http://schemas.microsoft.com/office/powerpoint/2012/main"/>
+    </p:ext>
+  </p:extLst>
 </p:presentation>
 </file>
 
@@ -8166,7 +8172,14 @@
                 <a:latin typeface="黑体" panose="02010609060101010101" pitchFamily="49" charset="-122"/>
                 <a:ea typeface="黑体" panose="02010609060101010101" pitchFamily="49" charset="-122"/>
               </a:rPr>
-              <a:t>簡潔明了，讓使用者在視覺上不會有太大的負擔</a:t>
+              <a:t>簡潔明了，讓使用者在視覺上不會有太大的負</a:t>
+            </a:r>
+            <a:r>
+              <a:rPr lang="zh-CN" altLang="en-US" sz="2800" dirty="0" smtClean="0">
+                <a:latin typeface="黑体" panose="02010609060101010101" pitchFamily="49" charset="-122"/>
+                <a:ea typeface="黑体" panose="02010609060101010101" pitchFamily="49" charset="-122"/>
+              </a:rPr>
+              <a:t>擔</a:t>
             </a:r>
             <a:endParaRPr lang="en-US" sz="2800" dirty="0">
               <a:latin typeface="黑体" panose="02010609060101010101" pitchFamily="49" charset="-122"/>
@@ -8818,6 +8831,560 @@
   <p:clrMapOvr>
     <a:masterClrMapping/>
   </p:clrMapOvr>
+  <p:timing>
+    <p:tnLst>
+      <p:par>
+        <p:cTn id="1" dur="indefinite" restart="never" nodeType="tmRoot"/>
+      </p:par>
+    </p:tnLst>
+  </p:timing>
+</p:sld>
+</file>
+
+<file path=ppt/slides/slide5.xml><?xml version="1.0" encoding="utf-8"?>
+<p:sld xmlns:a="http://schemas.openxmlformats.org/drawingml/2006/main" xmlns:r="http://schemas.openxmlformats.org/officeDocument/2006/relationships" xmlns:p="http://schemas.openxmlformats.org/presentationml/2006/main">
+  <p:cSld>
+    <p:spTree>
+      <p:nvGrpSpPr>
+        <p:cNvPr id="1" name=""/>
+        <p:cNvGrpSpPr/>
+        <p:nvPr/>
+      </p:nvGrpSpPr>
+      <p:grpSpPr>
+        <a:xfrm>
+          <a:off x="0" y="0"/>
+          <a:ext cx="0" cy="0"/>
+          <a:chOff x="0" y="0"/>
+          <a:chExt cx="0" cy="0"/>
+        </a:xfrm>
+      </p:grpSpPr>
+      <p:sp>
+        <p:nvSpPr>
+          <p:cNvPr id="4" name="Title 1"/>
+          <p:cNvSpPr txBox="1">
+            <a:spLocks/>
+          </p:cNvSpPr>
+          <p:nvPr/>
+        </p:nvSpPr>
+        <p:spPr>
+          <a:xfrm>
+            <a:off x="1866378" y="0"/>
+            <a:ext cx="9156526" cy="1280890"/>
+          </a:xfrm>
+          <a:prstGeom prst="rect">
+            <a:avLst/>
+          </a:prstGeom>
+        </p:spPr>
+        <p:txBody>
+          <a:bodyPr vert="horz" lIns="91440" tIns="45720" rIns="91440" bIns="45720" rtlCol="0" anchor="t">
+            <a:normAutofit/>
+          </a:bodyPr>
+          <a:lstStyle>
+            <a:lvl1pPr algn="l" defTabSz="457200" rtl="0" eaLnBrk="1" latinLnBrk="0" hangingPunct="1">
+              <a:spcBef>
+                <a:spcPct val="0"/>
+              </a:spcBef>
+              <a:buNone/>
+              <a:defRPr sz="3600" kern="1200">
+                <a:solidFill>
+                  <a:schemeClr val="tx1">
+                    <a:lumMod val="85000"/>
+                    <a:lumOff val="15000"/>
+                  </a:schemeClr>
+                </a:solidFill>
+                <a:latin typeface="+mj-lt"/>
+                <a:ea typeface="+mj-ea"/>
+                <a:cs typeface="+mj-cs"/>
+              </a:defRPr>
+            </a:lvl1pPr>
+            <a:lvl2pPr eaLnBrk="1" hangingPunct="1">
+              <a:defRPr>
+                <a:solidFill>
+                  <a:schemeClr val="tx2"/>
+                </a:solidFill>
+              </a:defRPr>
+            </a:lvl2pPr>
+            <a:lvl3pPr eaLnBrk="1" hangingPunct="1">
+              <a:defRPr>
+                <a:solidFill>
+                  <a:schemeClr val="tx2"/>
+                </a:solidFill>
+              </a:defRPr>
+            </a:lvl3pPr>
+            <a:lvl4pPr eaLnBrk="1" hangingPunct="1">
+              <a:defRPr>
+                <a:solidFill>
+                  <a:schemeClr val="tx2"/>
+                </a:solidFill>
+              </a:defRPr>
+            </a:lvl4pPr>
+            <a:lvl5pPr eaLnBrk="1" hangingPunct="1">
+              <a:defRPr>
+                <a:solidFill>
+                  <a:schemeClr val="tx2"/>
+                </a:solidFill>
+              </a:defRPr>
+            </a:lvl5pPr>
+            <a:lvl6pPr eaLnBrk="1" hangingPunct="1">
+              <a:defRPr>
+                <a:solidFill>
+                  <a:schemeClr val="tx2"/>
+                </a:solidFill>
+              </a:defRPr>
+            </a:lvl6pPr>
+            <a:lvl7pPr eaLnBrk="1" hangingPunct="1">
+              <a:defRPr>
+                <a:solidFill>
+                  <a:schemeClr val="tx2"/>
+                </a:solidFill>
+              </a:defRPr>
+            </a:lvl7pPr>
+            <a:lvl8pPr eaLnBrk="1" hangingPunct="1">
+              <a:defRPr>
+                <a:solidFill>
+                  <a:schemeClr val="tx2"/>
+                </a:solidFill>
+              </a:defRPr>
+            </a:lvl8pPr>
+            <a:lvl9pPr eaLnBrk="1" hangingPunct="1">
+              <a:defRPr>
+                <a:solidFill>
+                  <a:schemeClr val="tx2"/>
+                </a:solidFill>
+              </a:defRPr>
+            </a:lvl9pPr>
+          </a:lstStyle>
+          <a:p>
+            <a:pPr algn="ctr"/>
+            <a:r>
+              <a:rPr lang="zh-CN" altLang="en-US" sz="5400" b="1" dirty="0"/>
+              <a:t>分工</a:t>
+            </a:r>
+            <a:endParaRPr lang="en-US" sz="5400" b="1" dirty="0"/>
+          </a:p>
+        </p:txBody>
+      </p:sp>
+      <p:sp>
+        <p:nvSpPr>
+          <p:cNvPr id="8" name="TextBox 7"/>
+          <p:cNvSpPr txBox="1"/>
+          <p:nvPr/>
+        </p:nvSpPr>
+        <p:spPr>
+          <a:xfrm>
+            <a:off x="192505" y="1494437"/>
+            <a:ext cx="3236495" cy="1692771"/>
+          </a:xfrm>
+          <a:prstGeom prst="rect">
+            <a:avLst/>
+          </a:prstGeom>
+          <a:noFill/>
+        </p:spPr>
+        <p:txBody>
+          <a:bodyPr wrap="square" rtlCol="0">
+            <a:spAutoFit/>
+          </a:bodyPr>
+          <a:lstStyle/>
+          <a:p>
+            <a:pPr algn="ctr"/>
+            <a:r>
+              <a:rPr lang="zh-CN" altLang="en-US" sz="3200" b="1" dirty="0" smtClean="0">
+                <a:solidFill>
+                  <a:schemeClr val="tx1">
+                    <a:lumMod val="95000"/>
+                    <a:lumOff val="5000"/>
+                  </a:schemeClr>
+                </a:solidFill>
+                <a:latin typeface="黑体" panose="02010609060101010101" pitchFamily="49" charset="-122"/>
+                <a:ea typeface="黑体" panose="02010609060101010101" pitchFamily="49" charset="-122"/>
+              </a:rPr>
+              <a:t>游</a:t>
+            </a:r>
+            <a:r>
+              <a:rPr lang="zh-CN" altLang="en-US" sz="3200" b="1" dirty="0">
+                <a:solidFill>
+                  <a:schemeClr val="tx1">
+                    <a:lumMod val="95000"/>
+                    <a:lumOff val="5000"/>
+                  </a:schemeClr>
+                </a:solidFill>
+                <a:latin typeface="黑体" panose="02010609060101010101" pitchFamily="49" charset="-122"/>
+                <a:ea typeface="黑体" panose="02010609060101010101" pitchFamily="49" charset="-122"/>
+              </a:rPr>
+              <a:t>少</a:t>
+            </a:r>
+            <a:r>
+              <a:rPr lang="zh-CN" altLang="en-US" sz="3200" b="1" dirty="0" smtClean="0">
+                <a:solidFill>
+                  <a:schemeClr val="tx1">
+                    <a:lumMod val="95000"/>
+                    <a:lumOff val="5000"/>
+                  </a:schemeClr>
+                </a:solidFill>
+                <a:latin typeface="黑体" panose="02010609060101010101" pitchFamily="49" charset="-122"/>
+                <a:ea typeface="黑体" panose="02010609060101010101" pitchFamily="49" charset="-122"/>
+              </a:rPr>
+              <a:t>謙</a:t>
+            </a:r>
+            <a:endParaRPr lang="en-US" altLang="zh-CN" sz="3200" b="1" dirty="0" smtClean="0">
+              <a:solidFill>
+                <a:schemeClr val="tx1">
+                  <a:lumMod val="95000"/>
+                  <a:lumOff val="5000"/>
+                </a:schemeClr>
+              </a:solidFill>
+              <a:latin typeface="黑体" panose="02010609060101010101" pitchFamily="49" charset="-122"/>
+              <a:ea typeface="黑体" panose="02010609060101010101" pitchFamily="49" charset="-122"/>
+            </a:endParaRPr>
+          </a:p>
+          <a:p>
+            <a:pPr algn="ctr"/>
+            <a:endParaRPr lang="en-US" altLang="zh-CN" sz="800" b="1" dirty="0" smtClean="0">
+              <a:solidFill>
+                <a:schemeClr val="tx1">
+                  <a:lumMod val="95000"/>
+                  <a:lumOff val="5000"/>
+                </a:schemeClr>
+              </a:solidFill>
+              <a:latin typeface="黑体" panose="02010609060101010101" pitchFamily="49" charset="-122"/>
+              <a:ea typeface="黑体" panose="02010609060101010101" pitchFamily="49" charset="-122"/>
+            </a:endParaRPr>
+          </a:p>
+          <a:p>
+            <a:pPr algn="ctr"/>
+            <a:r>
+              <a:rPr lang="en-US" altLang="zh-CN" sz="3200" b="1" dirty="0" smtClean="0">
+                <a:solidFill>
+                  <a:schemeClr val="tx1">
+                    <a:lumMod val="95000"/>
+                    <a:lumOff val="5000"/>
+                  </a:schemeClr>
+                </a:solidFill>
+                <a:latin typeface="黑体" panose="02010609060101010101" pitchFamily="49" charset="-122"/>
+                <a:ea typeface="黑体" panose="02010609060101010101" pitchFamily="49" charset="-122"/>
+              </a:rPr>
+              <a:t>CSS</a:t>
+            </a:r>
+          </a:p>
+          <a:p>
+            <a:pPr algn="ctr"/>
+            <a:r>
+              <a:rPr lang="en-US" altLang="zh-CN" sz="3200" b="1" dirty="0" smtClean="0">
+                <a:solidFill>
+                  <a:schemeClr val="tx1">
+                    <a:lumMod val="95000"/>
+                    <a:lumOff val="5000"/>
+                  </a:schemeClr>
+                </a:solidFill>
+                <a:latin typeface="黑体" panose="02010609060101010101" pitchFamily="49" charset="-122"/>
+                <a:ea typeface="黑体" panose="02010609060101010101" pitchFamily="49" charset="-122"/>
+              </a:rPr>
+              <a:t>JAVASCRIPT</a:t>
+            </a:r>
+          </a:p>
+        </p:txBody>
+      </p:sp>
+      <p:sp>
+        <p:nvSpPr>
+          <p:cNvPr id="9" name="TextBox 8"/>
+          <p:cNvSpPr txBox="1"/>
+          <p:nvPr/>
+        </p:nvSpPr>
+        <p:spPr>
+          <a:xfrm>
+            <a:off x="192505" y="3328212"/>
+            <a:ext cx="3236495" cy="1692771"/>
+          </a:xfrm>
+          <a:prstGeom prst="rect">
+            <a:avLst/>
+          </a:prstGeom>
+          <a:noFill/>
+        </p:spPr>
+        <p:txBody>
+          <a:bodyPr wrap="square" rtlCol="0">
+            <a:spAutoFit/>
+          </a:bodyPr>
+          <a:lstStyle/>
+          <a:p>
+            <a:pPr algn="ctr"/>
+            <a:r>
+              <a:rPr lang="zh-CN" altLang="en-US" sz="3200" b="1" dirty="0">
+                <a:solidFill>
+                  <a:schemeClr val="tx1">
+                    <a:lumMod val="95000"/>
+                    <a:lumOff val="5000"/>
+                  </a:schemeClr>
+                </a:solidFill>
+                <a:latin typeface="黑体" panose="02010609060101010101" pitchFamily="49" charset="-122"/>
+                <a:ea typeface="黑体" panose="02010609060101010101" pitchFamily="49" charset="-122"/>
+              </a:rPr>
+              <a:t>彭柏</a:t>
+            </a:r>
+            <a:r>
+              <a:rPr lang="zh-CN" altLang="en-US" sz="3200" b="1" dirty="0" smtClean="0">
+                <a:solidFill>
+                  <a:schemeClr val="tx1">
+                    <a:lumMod val="95000"/>
+                    <a:lumOff val="5000"/>
+                  </a:schemeClr>
+                </a:solidFill>
+                <a:latin typeface="黑体" panose="02010609060101010101" pitchFamily="49" charset="-122"/>
+                <a:ea typeface="黑体" panose="02010609060101010101" pitchFamily="49" charset="-122"/>
+              </a:rPr>
+              <a:t>誠</a:t>
+            </a:r>
+            <a:endParaRPr lang="en-US" altLang="zh-CN" sz="3200" b="1" dirty="0" smtClean="0">
+              <a:solidFill>
+                <a:schemeClr val="tx1">
+                  <a:lumMod val="95000"/>
+                  <a:lumOff val="5000"/>
+                </a:schemeClr>
+              </a:solidFill>
+              <a:latin typeface="黑体" panose="02010609060101010101" pitchFamily="49" charset="-122"/>
+              <a:ea typeface="黑体" panose="02010609060101010101" pitchFamily="49" charset="-122"/>
+            </a:endParaRPr>
+          </a:p>
+          <a:p>
+            <a:pPr algn="ctr"/>
+            <a:endParaRPr lang="en-US" altLang="zh-CN" sz="800" b="1" dirty="0" smtClean="0">
+              <a:solidFill>
+                <a:schemeClr val="tx1">
+                  <a:lumMod val="95000"/>
+                  <a:lumOff val="5000"/>
+                </a:schemeClr>
+              </a:solidFill>
+              <a:latin typeface="黑体" panose="02010609060101010101" pitchFamily="49" charset="-122"/>
+              <a:ea typeface="黑体" panose="02010609060101010101" pitchFamily="49" charset="-122"/>
+            </a:endParaRPr>
+          </a:p>
+          <a:p>
+            <a:pPr algn="ctr"/>
+            <a:r>
+              <a:rPr lang="zh-CN" altLang="en-US" sz="3200" b="1" dirty="0" smtClean="0">
+                <a:solidFill>
+                  <a:schemeClr val="tx1">
+                    <a:lumMod val="95000"/>
+                    <a:lumOff val="5000"/>
+                  </a:schemeClr>
+                </a:solidFill>
+                <a:latin typeface="黑体" panose="02010609060101010101" pitchFamily="49" charset="-122"/>
+                <a:ea typeface="黑体" panose="02010609060101010101" pitchFamily="49" charset="-122"/>
+              </a:rPr>
+              <a:t>版面设计</a:t>
+            </a:r>
+            <a:endParaRPr lang="en-US" altLang="zh-CN" sz="3200" b="1" dirty="0" smtClean="0">
+              <a:solidFill>
+                <a:schemeClr val="tx1">
+                  <a:lumMod val="95000"/>
+                  <a:lumOff val="5000"/>
+                </a:schemeClr>
+              </a:solidFill>
+              <a:latin typeface="黑体" panose="02010609060101010101" pitchFamily="49" charset="-122"/>
+              <a:ea typeface="黑体" panose="02010609060101010101" pitchFamily="49" charset="-122"/>
+            </a:endParaRPr>
+          </a:p>
+          <a:p>
+            <a:pPr algn="ctr"/>
+            <a:r>
+              <a:rPr lang="en-US" altLang="zh-CN" sz="3200" b="1" dirty="0" smtClean="0">
+                <a:solidFill>
+                  <a:schemeClr val="tx1">
+                    <a:lumMod val="95000"/>
+                    <a:lumOff val="5000"/>
+                  </a:schemeClr>
+                </a:solidFill>
+                <a:latin typeface="黑体" panose="02010609060101010101" pitchFamily="49" charset="-122"/>
+                <a:ea typeface="黑体" panose="02010609060101010101" pitchFamily="49" charset="-122"/>
+              </a:rPr>
+              <a:t>CSS</a:t>
+            </a:r>
+            <a:endParaRPr lang="en-US" sz="3200" dirty="0"/>
+          </a:p>
+        </p:txBody>
+      </p:sp>
+      <p:sp>
+        <p:nvSpPr>
+          <p:cNvPr id="10" name="TextBox 9"/>
+          <p:cNvSpPr txBox="1"/>
+          <p:nvPr/>
+        </p:nvSpPr>
+        <p:spPr>
+          <a:xfrm>
+            <a:off x="192505" y="5161987"/>
+            <a:ext cx="3236493" cy="1692771"/>
+          </a:xfrm>
+          <a:prstGeom prst="rect">
+            <a:avLst/>
+          </a:prstGeom>
+          <a:noFill/>
+        </p:spPr>
+        <p:txBody>
+          <a:bodyPr wrap="square" rtlCol="0">
+            <a:spAutoFit/>
+          </a:bodyPr>
+          <a:lstStyle/>
+          <a:p>
+            <a:pPr algn="ctr"/>
+            <a:r>
+              <a:rPr lang="zh-CN" altLang="en-US" sz="3200" b="1" dirty="0" smtClean="0">
+                <a:solidFill>
+                  <a:schemeClr val="tx1">
+                    <a:lumMod val="95000"/>
+                    <a:lumOff val="5000"/>
+                  </a:schemeClr>
+                </a:solidFill>
+                <a:latin typeface="黑体" panose="02010609060101010101" pitchFamily="49" charset="-122"/>
+                <a:ea typeface="黑体" panose="02010609060101010101" pitchFamily="49" charset="-122"/>
+              </a:rPr>
+              <a:t>林宇駿</a:t>
+            </a:r>
+            <a:endParaRPr lang="en-US" altLang="zh-CN" sz="3200" b="1" dirty="0" smtClean="0">
+              <a:solidFill>
+                <a:schemeClr val="tx1">
+                  <a:lumMod val="95000"/>
+                  <a:lumOff val="5000"/>
+                </a:schemeClr>
+              </a:solidFill>
+              <a:latin typeface="黑体" panose="02010609060101010101" pitchFamily="49" charset="-122"/>
+              <a:ea typeface="黑体" panose="02010609060101010101" pitchFamily="49" charset="-122"/>
+            </a:endParaRPr>
+          </a:p>
+          <a:p>
+            <a:pPr algn="ctr"/>
+            <a:endParaRPr lang="en-US" altLang="zh-CN" sz="800" b="1" dirty="0" smtClean="0">
+              <a:solidFill>
+                <a:schemeClr val="tx1">
+                  <a:lumMod val="95000"/>
+                  <a:lumOff val="5000"/>
+                </a:schemeClr>
+              </a:solidFill>
+              <a:latin typeface="黑体" panose="02010609060101010101" pitchFamily="49" charset="-122"/>
+              <a:ea typeface="黑体" panose="02010609060101010101" pitchFamily="49" charset="-122"/>
+            </a:endParaRPr>
+          </a:p>
+          <a:p>
+            <a:pPr algn="ctr"/>
+            <a:r>
+              <a:rPr lang="en-US" altLang="zh-CN" sz="3200" b="1" dirty="0" smtClean="0">
+                <a:solidFill>
+                  <a:schemeClr val="tx1">
+                    <a:lumMod val="95000"/>
+                    <a:lumOff val="5000"/>
+                  </a:schemeClr>
+                </a:solidFill>
+                <a:latin typeface="黑体" panose="02010609060101010101" pitchFamily="49" charset="-122"/>
+                <a:ea typeface="黑体" panose="02010609060101010101" pitchFamily="49" charset="-122"/>
+              </a:rPr>
+              <a:t>HTML</a:t>
+            </a:r>
+          </a:p>
+          <a:p>
+            <a:pPr algn="ctr"/>
+            <a:r>
+              <a:rPr lang="en-US" altLang="zh-CN" sz="3200" b="1" dirty="0" smtClean="0">
+                <a:solidFill>
+                  <a:schemeClr val="tx1">
+                    <a:lumMod val="95000"/>
+                    <a:lumOff val="5000"/>
+                  </a:schemeClr>
+                </a:solidFill>
+                <a:latin typeface="黑体" panose="02010609060101010101" pitchFamily="49" charset="-122"/>
+                <a:ea typeface="黑体" panose="02010609060101010101" pitchFamily="49" charset="-122"/>
+              </a:rPr>
+              <a:t>PPT</a:t>
+            </a:r>
+          </a:p>
+        </p:txBody>
+      </p:sp>
+      <p:pic>
+        <p:nvPicPr>
+          <p:cNvPr id="12" name="Picture 11"/>
+          <p:cNvPicPr>
+            <a:picLocks noChangeAspect="1"/>
+          </p:cNvPicPr>
+          <p:nvPr/>
+        </p:nvPicPr>
+        <p:blipFill>
+          <a:blip r:embed="rId2"/>
+          <a:stretch>
+            <a:fillRect/>
+          </a:stretch>
+        </p:blipFill>
+        <p:spPr>
+          <a:xfrm>
+            <a:off x="3429000" y="1483472"/>
+            <a:ext cx="4362739" cy="2723037"/>
+          </a:xfrm>
+          <a:prstGeom prst="rect">
+            <a:avLst/>
+          </a:prstGeom>
+        </p:spPr>
+      </p:pic>
+      <p:pic>
+        <p:nvPicPr>
+          <p:cNvPr id="13" name="Picture 12"/>
+          <p:cNvPicPr>
+            <a:picLocks noChangeAspect="1"/>
+          </p:cNvPicPr>
+          <p:nvPr/>
+        </p:nvPicPr>
+        <p:blipFill>
+          <a:blip r:embed="rId3"/>
+          <a:stretch>
+            <a:fillRect/>
+          </a:stretch>
+        </p:blipFill>
+        <p:spPr>
+          <a:xfrm>
+            <a:off x="3428999" y="4206509"/>
+            <a:ext cx="4362739" cy="2640526"/>
+          </a:xfrm>
+          <a:prstGeom prst="rect">
+            <a:avLst/>
+          </a:prstGeom>
+        </p:spPr>
+      </p:pic>
+      <p:pic>
+        <p:nvPicPr>
+          <p:cNvPr id="14" name="Picture 13"/>
+          <p:cNvPicPr>
+            <a:picLocks noChangeAspect="1"/>
+          </p:cNvPicPr>
+          <p:nvPr/>
+        </p:nvPicPr>
+        <p:blipFill>
+          <a:blip r:embed="rId4"/>
+          <a:stretch>
+            <a:fillRect/>
+          </a:stretch>
+        </p:blipFill>
+        <p:spPr>
+          <a:xfrm>
+            <a:off x="7791738" y="2814700"/>
+            <a:ext cx="4400261" cy="2712072"/>
+          </a:xfrm>
+          <a:prstGeom prst="rect">
+            <a:avLst/>
+          </a:prstGeom>
+        </p:spPr>
+      </p:pic>
+    </p:spTree>
+    <p:extLst>
+      <p:ext uri="{BB962C8B-B14F-4D97-AF65-F5344CB8AC3E}">
+        <p14:creationId xmlns:p14="http://schemas.microsoft.com/office/powerpoint/2010/main" val="1822101820"/>
+      </p:ext>
+    </p:extLst>
+  </p:cSld>
+  <p:clrMapOvr>
+    <a:masterClrMapping/>
+  </p:clrMapOvr>
+  <p:timing>
+    <p:tnLst>
+      <p:par>
+        <p:cTn id="1" dur="indefinite" restart="never" nodeType="tmRoot"/>
+      </p:par>
+    </p:tnLst>
+  </p:timing>
 </p:sld>
 </file>
 

--- a/期中網頁.pptx
+++ b/期中網頁.pptx
@@ -7716,6 +7716,10 @@
           </a:p>
           <a:p>
             <a:pPr algn="ctr"/>
+            <a:endParaRPr lang="en-US" altLang="zh-CN" sz="2400" dirty="0" smtClean="0"/>
+          </a:p>
+          <a:p>
+            <a:pPr algn="ctr"/>
             <a:r>
               <a:rPr lang="zh-CN" altLang="en-US" sz="2400" b="1" dirty="0" smtClean="0">
                 <a:solidFill>
@@ -7912,58 +7916,6 @@
           <a:p>
             <a:pPr algn="ctr"/>
             <a:endParaRPr lang="en-US" altLang="zh-CN" sz="2400" dirty="0" smtClean="0">
-              <a:solidFill>
-                <a:schemeClr val="tx1">
-                  <a:lumMod val="95000"/>
-                  <a:lumOff val="5000"/>
-                </a:schemeClr>
-              </a:solidFill>
-              <a:latin typeface="黑体" panose="02010609060101010101" pitchFamily="49" charset="-122"/>
-              <a:ea typeface="黑体" panose="02010609060101010101" pitchFamily="49" charset="-122"/>
-            </a:endParaRPr>
-          </a:p>
-          <a:p>
-            <a:pPr algn="ctr"/>
-            <a:r>
-              <a:rPr lang="zh-CN" altLang="en-US" sz="2400" b="1" dirty="0" smtClean="0">
-                <a:solidFill>
-                  <a:schemeClr val="tx1">
-                    <a:lumMod val="95000"/>
-                    <a:lumOff val="5000"/>
-                  </a:schemeClr>
-                </a:solidFill>
-                <a:latin typeface="黑体" panose="02010609060101010101" pitchFamily="49" charset="-122"/>
-                <a:ea typeface="黑体" panose="02010609060101010101" pitchFamily="49" charset="-122"/>
-              </a:rPr>
-              <a:t>網頁頁數：</a:t>
-            </a:r>
-            <a:r>
-              <a:rPr lang="en-US" altLang="zh-CN" sz="2400" b="1" dirty="0" smtClean="0">
-                <a:solidFill>
-                  <a:schemeClr val="tx1">
-                    <a:lumMod val="95000"/>
-                    <a:lumOff val="5000"/>
-                  </a:schemeClr>
-                </a:solidFill>
-                <a:latin typeface="黑体" panose="02010609060101010101" pitchFamily="49" charset="-122"/>
-                <a:ea typeface="黑体" panose="02010609060101010101" pitchFamily="49" charset="-122"/>
-              </a:rPr>
-              <a:t>6</a:t>
-            </a:r>
-            <a:r>
-              <a:rPr lang="zh-CN" altLang="en-US" sz="2400" b="1" dirty="0" smtClean="0">
-                <a:solidFill>
-                  <a:schemeClr val="tx1">
-                    <a:lumMod val="95000"/>
-                    <a:lumOff val="5000"/>
-                  </a:schemeClr>
-                </a:solidFill>
-                <a:latin typeface="黑体" panose="02010609060101010101" pitchFamily="49" charset="-122"/>
-                <a:ea typeface="黑体" panose="02010609060101010101" pitchFamily="49" charset="-122"/>
-              </a:rPr>
-              <a:t>頁</a:t>
-            </a:r>
-            <a:endParaRPr lang="en-US" altLang="zh-CN" sz="2400" b="1" dirty="0" smtClean="0">
               <a:solidFill>
                 <a:schemeClr val="tx1">
                   <a:lumMod val="95000"/>

--- a/期中網頁.pptx
+++ b/期中網頁.pptx
@@ -8328,10 +8328,31 @@
                 <a:latin typeface="黑体" panose="02010609060101010101" pitchFamily="49" charset="-122"/>
                 <a:ea typeface="黑体" panose="02010609060101010101" pitchFamily="49" charset="-122"/>
               </a:rPr>
-              <a:t>面過於龐大（上圖為縮小版，</a:t>
-            </a:r>
-            <a:r>
-              <a:rPr lang="zh-CN" altLang="en-US" sz="2000" dirty="0">
+              <a:t>面過於龐大（上圖為縮小</a:t>
+            </a:r>
+            <a:r>
+              <a:rPr lang="zh-CN" altLang="en-US" sz="2000" smtClean="0">
+                <a:latin typeface="黑体" panose="02010609060101010101" pitchFamily="49" charset="-122"/>
+                <a:ea typeface="黑体" panose="02010609060101010101" pitchFamily="49" charset="-122"/>
+              </a:rPr>
+              <a:t>版</a:t>
+            </a:r>
+            <a:r>
+              <a:rPr lang="zh-CN" altLang="en-US" sz="2000" smtClean="0">
+                <a:latin typeface="黑体" panose="02010609060101010101" pitchFamily="49" charset="-122"/>
+                <a:ea typeface="黑体" panose="02010609060101010101" pitchFamily="49" charset="-122"/>
+              </a:rPr>
+              <a:t>，</a:t>
+            </a:r>
+            <a:r>
+              <a:rPr lang="zh-CN" altLang="en-US" sz="2000">
+                <a:latin typeface="黑体" panose="02010609060101010101" pitchFamily="49" charset="-122"/>
+                <a:ea typeface="黑体" panose="02010609060101010101" pitchFamily="49" charset="-122"/>
+              </a:rPr>
+              <a:t>為</a:t>
+            </a:r>
+            <a:r>
+              <a:rPr lang="zh-CN" altLang="en-US" sz="2000" smtClean="0">
                 <a:latin typeface="黑体" panose="02010609060101010101" pitchFamily="49" charset="-122"/>
                 <a:ea typeface="黑体" panose="02010609060101010101" pitchFamily="49" charset="-122"/>
               </a:rPr>

--- a/期中網頁.pptx
+++ b/期中網頁.pptx
@@ -8328,31 +8328,24 @@
                 <a:latin typeface="黑体" panose="02010609060101010101" pitchFamily="49" charset="-122"/>
                 <a:ea typeface="黑体" panose="02010609060101010101" pitchFamily="49" charset="-122"/>
               </a:rPr>
-              <a:t>面過於龐大（上圖為縮小</a:t>
-            </a:r>
-            <a:r>
-              <a:rPr lang="zh-CN" altLang="en-US" sz="2000" smtClean="0">
-                <a:latin typeface="黑体" panose="02010609060101010101" pitchFamily="49" charset="-122"/>
-                <a:ea typeface="黑体" panose="02010609060101010101" pitchFamily="49" charset="-122"/>
-              </a:rPr>
-              <a:t>版</a:t>
-            </a:r>
-            <a:r>
-              <a:rPr lang="zh-CN" altLang="en-US" sz="2000" smtClean="0">
+              <a:t>面過於龐大（上圖為縮小版</a:t>
+            </a:r>
+            <a:r>
+              <a:rPr lang="zh-CN" altLang="en-US" sz="2000" dirty="0" smtClean="0">
                 <a:latin typeface="黑体" panose="02010609060101010101" pitchFamily="49" charset="-122"/>
                 <a:ea typeface="黑体" panose="02010609060101010101" pitchFamily="49" charset="-122"/>
               </a:rPr>
               <a:t>，</a:t>
             </a:r>
             <a:r>
-              <a:rPr lang="zh-CN" altLang="en-US" sz="2000">
+              <a:rPr lang="zh-CN" altLang="en-US" sz="2000" dirty="0">
                 <a:latin typeface="黑体" panose="02010609060101010101" pitchFamily="49" charset="-122"/>
                 <a:ea typeface="黑体" panose="02010609060101010101" pitchFamily="49" charset="-122"/>
               </a:rPr>
               <a:t>為</a:t>
             </a:r>
             <a:r>
-              <a:rPr lang="zh-CN" altLang="en-US" sz="2000" smtClean="0">
+              <a:rPr lang="zh-CN" altLang="en-US" sz="2000" dirty="0" smtClean="0">
                 <a:latin typeface="黑体" panose="02010609060101010101" pitchFamily="49" charset="-122"/>
                 <a:ea typeface="黑体" panose="02010609060101010101" pitchFamily="49" charset="-122"/>
               </a:rPr>
